--- a/게임 기획.pptx
+++ b/게임 기획.pptx
@@ -105,7 +105,16 @@
       </a:defRPr>
     </a:lvl9pPr>
   </p:defaultTextStyle>
+  <p:extLst>
+    <p:ext uri="{EFAFB233-063F-42B5-8137-9DF3F51BA10A}">
+      <p15:sldGuideLst xmlns:p15="http://schemas.microsoft.com/office/powerpoint/2012/main"/>
+    </p:ext>
+  </p:extLst>
 </p:presentation>
+</file>
+
+<file path=ppt/revisionInfo.xml><?xml version="1.0" encoding="utf-8"?>
+<p1510:revInfo xmlns:a="http://schemas.openxmlformats.org/drawingml/2006/main" xmlns:r="http://schemas.openxmlformats.org/officeDocument/2006/relationships" xmlns:p1510="http://schemas.microsoft.com/office/powerpoint/2015/10/main"/>
 </file>
 
 <file path=ppt/diagrams/colors1.xml><?xml version="1.0" encoding="utf-8"?>
@@ -920,7 +929,15 @@
           <a:pPr latinLnBrk="1"/>
           <a:r>
             <a:rPr lang="ko-KR" altLang="en-US" dirty="0"/>
-            <a:t>잠을 자면 다른 사람들과 꿈이 연결된다</a:t>
+            <a:t>잠을 자면 다른 사람들과 꿈이 연결되는</a:t>
+          </a:r>
+          <a:r>
+            <a:rPr lang="en-US" altLang="ko-KR" dirty="0"/>
+            <a:t> </a:t>
+          </a:r>
+          <a:r>
+            <a:rPr lang="ko-KR" altLang="en-US" dirty="0"/>
+            <a:t>세상</a:t>
           </a:r>
           <a:r>
             <a:rPr lang="en-US" altLang="ko-KR" dirty="0"/>
@@ -1052,16 +1069,13 @@
           <a:pPr latinLnBrk="1"/>
           <a:r>
             <a:rPr lang="ko-KR" altLang="en-US" dirty="0"/>
-            <a:t>꿈속 침대를 빼앗으면 </a:t>
+            <a:t>꿈속 침대는 하루의 피로를 회복시켜주는 수단으로 뺐을 수 있다</a:t>
           </a:r>
           <a:r>
-            <a:rPr lang="ko-KR" altLang="en-US" dirty="0" err="1"/>
-            <a:t>꿀잠</a:t>
+            <a:rPr lang="en-US" altLang="ko-KR"/>
+            <a:t>.</a:t>
           </a:r>
-          <a:r>
-            <a:rPr lang="ko-KR" altLang="en-US" dirty="0"/>
-            <a:t> 보장</a:t>
-          </a:r>
+          <a:endParaRPr lang="ko-KR" altLang="en-US" dirty="0"/>
         </a:p>
       </dgm:t>
     </dgm:pt>
@@ -1284,7 +1298,15 @@
           </a:pPr>
           <a:r>
             <a:rPr lang="ko-KR" altLang="en-US" sz="2700" kern="1200" dirty="0"/>
-            <a:t>잠을 자면 다른 사람들과 꿈이 연결된다</a:t>
+            <a:t>잠을 자면 다른 사람들과 꿈이 연결되는</a:t>
+          </a:r>
+          <a:r>
+            <a:rPr lang="en-US" altLang="ko-KR" sz="2700" kern="1200" dirty="0"/>
+            <a:t> </a:t>
+          </a:r>
+          <a:r>
+            <a:rPr lang="ko-KR" altLang="en-US" sz="2700" kern="1200" dirty="0"/>
+            <a:t>세상</a:t>
           </a:r>
           <a:r>
             <a:rPr lang="en-US" altLang="ko-KR" sz="2700" kern="1200" dirty="0"/>
@@ -1533,16 +1555,13 @@
           </a:pPr>
           <a:r>
             <a:rPr lang="ko-KR" altLang="en-US" sz="2700" kern="1200" dirty="0"/>
-            <a:t>꿈속 침대를 빼앗으면 </a:t>
+            <a:t>꿈속 침대는 하루의 피로를 회복시켜주는 수단으로 뺐을 수 있다</a:t>
           </a:r>
           <a:r>
-            <a:rPr lang="ko-KR" altLang="en-US" sz="2700" kern="1200" dirty="0" err="1"/>
-            <a:t>꿀잠</a:t>
+            <a:rPr lang="en-US" altLang="ko-KR" sz="2700" kern="1200"/>
+            <a:t>.</a:t>
           </a:r>
-          <a:r>
-            <a:rPr lang="ko-KR" altLang="en-US" sz="2700" kern="1200" dirty="0"/>
-            <a:t> 보장</a:t>
-          </a:r>
+          <a:endParaRPr lang="ko-KR" altLang="en-US" sz="2700" kern="1200" dirty="0"/>
         </a:p>
       </dsp:txBody>
       <dsp:txXfrm rot="-5400000">
@@ -6270,7 +6289,7 @@
           <p:nvPr>
             <p:extLst>
               <p:ext uri="{D42A27DB-BD31-4B8C-83A1-F6EECF244321}">
-                <p14:modId xmlns:p14="http://schemas.microsoft.com/office/powerpoint/2010/main" val="1733083136"/>
+                <p14:modId xmlns:p14="http://schemas.microsoft.com/office/powerpoint/2010/main" val="3039919644"/>
               </p:ext>
             </p:extLst>
           </p:nvPr>
